--- a/網程期末專案_拼圖遊戲.pptx
+++ b/網程期末專案_拼圖遊戲.pptx
@@ -4252,6 +4252,483 @@
           </p:txBody>
         </p:sp>
       </p:grpSp>
+      <p:grpSp>
+        <p:nvGrpSpPr>
+          <p:cNvPr id="33" name="群組 32"/>
+          <p:cNvGrpSpPr/>
+          <p:nvPr/>
+        </p:nvGrpSpPr>
+        <p:grpSpPr>
+          <a:xfrm>
+            <a:off x="1884218" y="2086964"/>
+            <a:ext cx="8115992" cy="3597994"/>
+            <a:chOff x="1884218" y="2086964"/>
+            <a:chExt cx="8115992" cy="3597994"/>
+          </a:xfrm>
+        </p:grpSpPr>
+        <p:sp>
+          <p:nvSpPr>
+            <p:cNvPr id="11" name="矩形 10"/>
+            <p:cNvSpPr/>
+            <p:nvPr/>
+          </p:nvSpPr>
+          <p:spPr>
+            <a:xfrm>
+              <a:off x="1884219" y="2086964"/>
+              <a:ext cx="2591530" cy="1874423"/>
+            </a:xfrm>
+            <a:prstGeom prst="rect">
+              <a:avLst/>
+            </a:prstGeom>
+            <a:solidFill>
+              <a:srgbClr val="9FC5E3"/>
+            </a:solidFill>
+            <a:ln>
+              <a:solidFill>
+                <a:srgbClr val="9FC5E3"/>
+              </a:solidFill>
+            </a:ln>
+          </p:spPr>
+          <p:style>
+            <a:lnRef idx="2">
+              <a:schemeClr val="accent1">
+                <a:shade val="50000"/>
+              </a:schemeClr>
+            </a:lnRef>
+            <a:fillRef idx="1">
+              <a:schemeClr val="accent1"/>
+            </a:fillRef>
+            <a:effectRef idx="0">
+              <a:schemeClr val="accent1"/>
+            </a:effectRef>
+            <a:fontRef idx="minor">
+              <a:schemeClr val="lt1"/>
+            </a:fontRef>
+          </p:style>
+          <p:txBody>
+            <a:bodyPr rtlCol="0" anchor="ctr"/>
+            <a:lstStyle/>
+            <a:p>
+              <a:pPr algn="ctr"/>
+              <a:endParaRPr lang="zh-TW" altLang="en-US"/>
+            </a:p>
+          </p:txBody>
+        </p:sp>
+        <p:sp>
+          <p:nvSpPr>
+            <p:cNvPr id="12" name="矩形 11"/>
+            <p:cNvSpPr/>
+            <p:nvPr/>
+          </p:nvSpPr>
+          <p:spPr>
+            <a:xfrm>
+              <a:off x="1884218" y="4058760"/>
+              <a:ext cx="2591531" cy="668548"/>
+            </a:xfrm>
+            <a:prstGeom prst="rect">
+              <a:avLst/>
+            </a:prstGeom>
+            <a:noFill/>
+            <a:ln w="38100">
+              <a:solidFill>
+                <a:srgbClr val="9FC5E3"/>
+              </a:solidFill>
+            </a:ln>
+          </p:spPr>
+          <p:style>
+            <a:lnRef idx="2">
+              <a:schemeClr val="accent1">
+                <a:shade val="50000"/>
+              </a:schemeClr>
+            </a:lnRef>
+            <a:fillRef idx="1">
+              <a:schemeClr val="accent1"/>
+            </a:fillRef>
+            <a:effectRef idx="0">
+              <a:schemeClr val="accent1"/>
+            </a:effectRef>
+            <a:fontRef idx="minor">
+              <a:schemeClr val="lt1"/>
+            </a:fontRef>
+          </p:style>
+          <p:txBody>
+            <a:bodyPr rtlCol="0" anchor="ctr"/>
+            <a:lstStyle/>
+            <a:p>
+              <a:pPr algn="ctr"/>
+              <a:r>
+                <a:rPr lang="en-US" altLang="zh-TW" sz="2800" dirty="0" smtClean="0">
+                  <a:solidFill>
+                    <a:schemeClr val="tx1"/>
+                  </a:solidFill>
+                  <a:latin typeface="微軟正黑體" panose="020B0604030504040204" pitchFamily="34" charset="-120"/>
+                  <a:ea typeface="微軟正黑體" panose="020B0604030504040204" pitchFamily="34" charset="-120"/>
+                </a:rPr>
+                <a:t>HTML5</a:t>
+              </a:r>
+              <a:endParaRPr lang="zh-TW" altLang="en-US" sz="2800" dirty="0">
+                <a:solidFill>
+                  <a:schemeClr val="tx1"/>
+                </a:solidFill>
+                <a:latin typeface="微軟正黑體" panose="020B0604030504040204" pitchFamily="34" charset="-120"/>
+                <a:ea typeface="微軟正黑體" panose="020B0604030504040204" pitchFamily="34" charset="-120"/>
+              </a:endParaRPr>
+            </a:p>
+          </p:txBody>
+        </p:sp>
+        <p:sp>
+          <p:nvSpPr>
+            <p:cNvPr id="27" name="矩形 26"/>
+            <p:cNvSpPr/>
+            <p:nvPr/>
+          </p:nvSpPr>
+          <p:spPr>
+            <a:xfrm>
+              <a:off x="4646450" y="2086964"/>
+              <a:ext cx="2591530" cy="1874423"/>
+            </a:xfrm>
+            <a:prstGeom prst="rect">
+              <a:avLst/>
+            </a:prstGeom>
+            <a:solidFill>
+              <a:srgbClr val="FFD782"/>
+            </a:solidFill>
+            <a:ln>
+              <a:solidFill>
+                <a:srgbClr val="FFD782"/>
+              </a:solidFill>
+            </a:ln>
+          </p:spPr>
+          <p:style>
+            <a:lnRef idx="2">
+              <a:schemeClr val="accent1">
+                <a:shade val="50000"/>
+              </a:schemeClr>
+            </a:lnRef>
+            <a:fillRef idx="1">
+              <a:schemeClr val="accent1"/>
+            </a:fillRef>
+            <a:effectRef idx="0">
+              <a:schemeClr val="accent1"/>
+            </a:effectRef>
+            <a:fontRef idx="minor">
+              <a:schemeClr val="lt1"/>
+            </a:fontRef>
+          </p:style>
+          <p:txBody>
+            <a:bodyPr rtlCol="0" anchor="ctr"/>
+            <a:lstStyle/>
+            <a:p>
+              <a:pPr algn="ctr"/>
+              <a:endParaRPr lang="zh-TW" altLang="en-US"/>
+            </a:p>
+          </p:txBody>
+        </p:sp>
+        <p:sp>
+          <p:nvSpPr>
+            <p:cNvPr id="28" name="矩形 27"/>
+            <p:cNvSpPr/>
+            <p:nvPr/>
+          </p:nvSpPr>
+          <p:spPr>
+            <a:xfrm>
+              <a:off x="4646449" y="4058760"/>
+              <a:ext cx="2591531" cy="668548"/>
+            </a:xfrm>
+            <a:prstGeom prst="rect">
+              <a:avLst/>
+            </a:prstGeom>
+            <a:noFill/>
+            <a:ln w="38100">
+              <a:solidFill>
+                <a:srgbClr val="FFD782"/>
+              </a:solidFill>
+            </a:ln>
+          </p:spPr>
+          <p:style>
+            <a:lnRef idx="2">
+              <a:schemeClr val="accent1">
+                <a:shade val="50000"/>
+              </a:schemeClr>
+            </a:lnRef>
+            <a:fillRef idx="1">
+              <a:schemeClr val="accent1"/>
+            </a:fillRef>
+            <a:effectRef idx="0">
+              <a:schemeClr val="accent1"/>
+            </a:effectRef>
+            <a:fontRef idx="minor">
+              <a:schemeClr val="lt1"/>
+            </a:fontRef>
+          </p:style>
+          <p:txBody>
+            <a:bodyPr rtlCol="0" anchor="ctr"/>
+            <a:lstStyle/>
+            <a:p>
+              <a:pPr algn="ctr"/>
+              <a:r>
+                <a:rPr lang="en-US" altLang="zh-TW" sz="2800" dirty="0" smtClean="0">
+                  <a:solidFill>
+                    <a:schemeClr val="tx1"/>
+                  </a:solidFill>
+                  <a:latin typeface="微軟正黑體" panose="020B0604030504040204" pitchFamily="34" charset="-120"/>
+                  <a:ea typeface="微軟正黑體" panose="020B0604030504040204" pitchFamily="34" charset="-120"/>
+                </a:rPr>
+                <a:t>CSS</a:t>
+              </a:r>
+              <a:endParaRPr lang="zh-TW" altLang="en-US" sz="2800" dirty="0">
+                <a:solidFill>
+                  <a:schemeClr val="tx1"/>
+                </a:solidFill>
+                <a:latin typeface="微軟正黑體" panose="020B0604030504040204" pitchFamily="34" charset="-120"/>
+                <a:ea typeface="微軟正黑體" panose="020B0604030504040204" pitchFamily="34" charset="-120"/>
+              </a:endParaRPr>
+            </a:p>
+          </p:txBody>
+        </p:sp>
+        <p:sp>
+          <p:nvSpPr>
+            <p:cNvPr id="29" name="矩形 28"/>
+            <p:cNvSpPr/>
+            <p:nvPr/>
+          </p:nvSpPr>
+          <p:spPr>
+            <a:xfrm>
+              <a:off x="7408680" y="2086964"/>
+              <a:ext cx="2591530" cy="1874423"/>
+            </a:xfrm>
+            <a:prstGeom prst="rect">
+              <a:avLst/>
+            </a:prstGeom>
+            <a:solidFill>
+              <a:srgbClr val="FF8F79"/>
+            </a:solidFill>
+            <a:ln>
+              <a:solidFill>
+                <a:srgbClr val="FF8F79"/>
+              </a:solidFill>
+            </a:ln>
+          </p:spPr>
+          <p:style>
+            <a:lnRef idx="2">
+              <a:schemeClr val="accent1">
+                <a:shade val="50000"/>
+              </a:schemeClr>
+            </a:lnRef>
+            <a:fillRef idx="1">
+              <a:schemeClr val="accent1"/>
+            </a:fillRef>
+            <a:effectRef idx="0">
+              <a:schemeClr val="accent1"/>
+            </a:effectRef>
+            <a:fontRef idx="minor">
+              <a:schemeClr val="lt1"/>
+            </a:fontRef>
+          </p:style>
+          <p:txBody>
+            <a:bodyPr rtlCol="0" anchor="ctr"/>
+            <a:lstStyle/>
+            <a:p>
+              <a:pPr algn="ctr"/>
+              <a:endParaRPr lang="zh-TW" altLang="en-US"/>
+            </a:p>
+          </p:txBody>
+        </p:sp>
+        <p:sp>
+          <p:nvSpPr>
+            <p:cNvPr id="30" name="矩形 29"/>
+            <p:cNvSpPr/>
+            <p:nvPr/>
+          </p:nvSpPr>
+          <p:spPr>
+            <a:xfrm>
+              <a:off x="7408679" y="4058760"/>
+              <a:ext cx="2591531" cy="668548"/>
+            </a:xfrm>
+            <a:prstGeom prst="rect">
+              <a:avLst/>
+            </a:prstGeom>
+            <a:noFill/>
+            <a:ln w="38100">
+              <a:solidFill>
+                <a:srgbClr val="FF8F79"/>
+              </a:solidFill>
+            </a:ln>
+          </p:spPr>
+          <p:style>
+            <a:lnRef idx="2">
+              <a:schemeClr val="accent1">
+                <a:shade val="50000"/>
+              </a:schemeClr>
+            </a:lnRef>
+            <a:fillRef idx="1">
+              <a:schemeClr val="accent1"/>
+            </a:fillRef>
+            <a:effectRef idx="0">
+              <a:schemeClr val="accent1"/>
+            </a:effectRef>
+            <a:fontRef idx="minor">
+              <a:schemeClr val="lt1"/>
+            </a:fontRef>
+          </p:style>
+          <p:txBody>
+            <a:bodyPr rtlCol="0" anchor="ctr"/>
+            <a:lstStyle/>
+            <a:p>
+              <a:pPr algn="ctr"/>
+              <a:r>
+                <a:rPr lang="en-US" altLang="zh-TW" sz="2800" dirty="0" smtClean="0">
+                  <a:solidFill>
+                    <a:schemeClr val="tx1"/>
+                  </a:solidFill>
+                </a:rPr>
+                <a:t>JavaScript</a:t>
+              </a:r>
+              <a:endParaRPr lang="en-US" altLang="zh-TW" sz="2800" dirty="0" smtClean="0">
+                <a:solidFill>
+                  <a:schemeClr val="tx1"/>
+                </a:solidFill>
+              </a:endParaRPr>
+            </a:p>
+          </p:txBody>
+        </p:sp>
+        <p:pic>
+          <p:nvPicPr>
+            <p:cNvPr id="10" name="圖片 9"/>
+            <p:cNvPicPr>
+              <a:picLocks noChangeAspect="1"/>
+            </p:cNvPicPr>
+            <p:nvPr/>
+          </p:nvPicPr>
+          <p:blipFill>
+            <a:blip r:embed="rId3" cstate="print">
+              <a:extLst>
+                <a:ext uri="{28A0092B-C50C-407E-A947-70E740481C1C}">
+                  <a14:useLocalDpi xmlns:a14="http://schemas.microsoft.com/office/drawing/2010/main" val="0"/>
+                </a:ext>
+              </a:extLst>
+            </a:blip>
+            <a:stretch>
+              <a:fillRect/>
+            </a:stretch>
+          </p:blipFill>
+          <p:spPr>
+            <a:xfrm>
+              <a:off x="2387828" y="2307929"/>
+              <a:ext cx="1432491" cy="1432491"/>
+            </a:xfrm>
+            <a:prstGeom prst="rect">
+              <a:avLst/>
+            </a:prstGeom>
+          </p:spPr>
+        </p:pic>
+        <p:pic>
+          <p:nvPicPr>
+            <p:cNvPr id="8" name="圖片 7"/>
+            <p:cNvPicPr>
+              <a:picLocks noChangeAspect="1"/>
+            </p:cNvPicPr>
+            <p:nvPr/>
+          </p:nvPicPr>
+          <p:blipFill>
+            <a:blip r:embed="rId4" cstate="print">
+              <a:extLst>
+                <a:ext uri="{28A0092B-C50C-407E-A947-70E740481C1C}">
+                  <a14:useLocalDpi xmlns:a14="http://schemas.microsoft.com/office/drawing/2010/main" val="0"/>
+                </a:ext>
+              </a:extLst>
+            </a:blip>
+            <a:stretch>
+              <a:fillRect/>
+            </a:stretch>
+          </p:blipFill>
+          <p:spPr>
+            <a:xfrm>
+              <a:off x="5225968" y="2307928"/>
+              <a:ext cx="1432491" cy="1432491"/>
+            </a:xfrm>
+            <a:prstGeom prst="rect">
+              <a:avLst/>
+            </a:prstGeom>
+          </p:spPr>
+        </p:pic>
+        <p:pic>
+          <p:nvPicPr>
+            <p:cNvPr id="9" name="圖片 8"/>
+            <p:cNvPicPr>
+              <a:picLocks noChangeAspect="1"/>
+            </p:cNvPicPr>
+            <p:nvPr/>
+          </p:nvPicPr>
+          <p:blipFill>
+            <a:blip r:embed="rId5" cstate="print">
+              <a:extLst>
+                <a:ext uri="{28A0092B-C50C-407E-A947-70E740481C1C}">
+                  <a14:useLocalDpi xmlns:a14="http://schemas.microsoft.com/office/drawing/2010/main" val="0"/>
+                </a:ext>
+              </a:extLst>
+            </a:blip>
+            <a:stretch>
+              <a:fillRect/>
+            </a:stretch>
+          </p:blipFill>
+          <p:spPr>
+            <a:xfrm>
+              <a:off x="8006435" y="2307928"/>
+              <a:ext cx="1432491" cy="1432491"/>
+            </a:xfrm>
+            <a:prstGeom prst="rect">
+              <a:avLst/>
+            </a:prstGeom>
+          </p:spPr>
+        </p:pic>
+        <p:sp>
+          <p:nvSpPr>
+            <p:cNvPr id="32" name="矩形 31"/>
+            <p:cNvSpPr/>
+            <p:nvPr/>
+          </p:nvSpPr>
+          <p:spPr>
+            <a:xfrm>
+              <a:off x="2894213" y="5038627"/>
+              <a:ext cx="6096000" cy="646331"/>
+            </a:xfrm>
+            <a:prstGeom prst="rect">
+              <a:avLst/>
+            </a:prstGeom>
+          </p:spPr>
+          <p:txBody>
+            <a:bodyPr>
+              <a:spAutoFit/>
+            </a:bodyPr>
+            <a:lstStyle/>
+            <a:p>
+              <a:pPr algn="ctr"/>
+              <a:r>
+                <a:rPr lang="en-US" altLang="zh-TW" sz="3600" dirty="0"/>
+                <a:t>jQuery</a:t>
+              </a:r>
+              <a:r>
+                <a:rPr lang="zh-TW" altLang="en-US" sz="3600" dirty="0"/>
+                <a:t>、</a:t>
+              </a:r>
+              <a:r>
+                <a:rPr lang="en-US" altLang="zh-TW" sz="3600" dirty="0"/>
+                <a:t>DOM</a:t>
+              </a:r>
+              <a:r>
+                <a:rPr lang="zh-TW" altLang="en-US" sz="3600" dirty="0"/>
+                <a:t>、</a:t>
+              </a:r>
+              <a:r>
+                <a:rPr lang="en-US" altLang="zh-TW" sz="3600" dirty="0" smtClean="0"/>
+                <a:t>Event</a:t>
+              </a:r>
+              <a:endParaRPr lang="zh-TW" altLang="en-US" sz="3600" dirty="0"/>
+            </a:p>
+          </p:txBody>
+        </p:sp>
+      </p:grpSp>
     </p:spTree>
     <p:extLst>
       <p:ext uri="{BB962C8B-B14F-4D97-AF65-F5344CB8AC3E}">
@@ -4370,6 +4847,462 @@
           </p:txBody>
         </p:sp>
       </p:grpSp>
+      <p:sp>
+        <p:nvSpPr>
+          <p:cNvPr id="6" name="矩形 5"/>
+          <p:cNvSpPr/>
+          <p:nvPr/>
+        </p:nvSpPr>
+        <p:spPr>
+          <a:xfrm>
+            <a:off x="1676712" y="2175650"/>
+            <a:ext cx="2826327" cy="2059709"/>
+          </a:xfrm>
+          <a:prstGeom prst="rect">
+            <a:avLst/>
+          </a:prstGeom>
+          <a:solidFill>
+            <a:srgbClr val="FFD782"/>
+          </a:solidFill>
+          <a:ln>
+            <a:solidFill>
+              <a:srgbClr val="FFC000"/>
+            </a:solidFill>
+          </a:ln>
+        </p:spPr>
+        <p:style>
+          <a:lnRef idx="2">
+            <a:schemeClr val="accent1">
+              <a:shade val="50000"/>
+            </a:schemeClr>
+          </a:lnRef>
+          <a:fillRef idx="1">
+            <a:schemeClr val="accent1"/>
+          </a:fillRef>
+          <a:effectRef idx="0">
+            <a:schemeClr val="accent1"/>
+          </a:effectRef>
+          <a:fontRef idx="minor">
+            <a:schemeClr val="lt1"/>
+          </a:fontRef>
+        </p:style>
+        <p:txBody>
+          <a:bodyPr rtlCol="0" anchor="ctr"/>
+          <a:lstStyle/>
+          <a:p>
+            <a:pPr algn="ctr"/>
+            <a:endParaRPr lang="zh-TW" altLang="en-US"/>
+          </a:p>
+        </p:txBody>
+      </p:sp>
+      <p:sp>
+        <p:nvSpPr>
+          <p:cNvPr id="7" name="矩形 6"/>
+          <p:cNvSpPr/>
+          <p:nvPr/>
+        </p:nvSpPr>
+        <p:spPr>
+          <a:xfrm>
+            <a:off x="1676712" y="4315175"/>
+            <a:ext cx="2826327" cy="672947"/>
+          </a:xfrm>
+          <a:prstGeom prst="rect">
+            <a:avLst/>
+          </a:prstGeom>
+          <a:noFill/>
+          <a:ln w="38100">
+            <a:solidFill>
+              <a:srgbClr val="FFC000"/>
+            </a:solidFill>
+          </a:ln>
+        </p:spPr>
+        <p:style>
+          <a:lnRef idx="2">
+            <a:schemeClr val="accent1">
+              <a:shade val="50000"/>
+            </a:schemeClr>
+          </a:lnRef>
+          <a:fillRef idx="1">
+            <a:schemeClr val="accent1"/>
+          </a:fillRef>
+          <a:effectRef idx="0">
+            <a:schemeClr val="accent1"/>
+          </a:effectRef>
+          <a:fontRef idx="minor">
+            <a:schemeClr val="lt1"/>
+          </a:fontRef>
+        </p:style>
+        <p:txBody>
+          <a:bodyPr rtlCol="0" anchor="ctr"/>
+          <a:lstStyle/>
+          <a:p>
+            <a:pPr algn="ctr"/>
+            <a:r>
+              <a:rPr lang="zh-TW" altLang="en-US" sz="2800" dirty="0" smtClean="0">
+                <a:solidFill>
+                  <a:schemeClr val="tx1"/>
+                </a:solidFill>
+                <a:latin typeface="微軟正黑體" panose="020B0604030504040204" pitchFamily="34" charset="-120"/>
+                <a:ea typeface="微軟正黑體" panose="020B0604030504040204" pitchFamily="34" charset="-120"/>
+              </a:rPr>
+              <a:t>簡單好上手</a:t>
+            </a:r>
+            <a:endParaRPr lang="zh-TW" altLang="en-US" sz="2800" dirty="0">
+              <a:solidFill>
+                <a:schemeClr val="tx1"/>
+              </a:solidFill>
+              <a:latin typeface="微軟正黑體" panose="020B0604030504040204" pitchFamily="34" charset="-120"/>
+              <a:ea typeface="微軟正黑體" panose="020B0604030504040204" pitchFamily="34" charset="-120"/>
+            </a:endParaRPr>
+          </a:p>
+        </p:txBody>
+      </p:sp>
+      <p:sp>
+        <p:nvSpPr>
+          <p:cNvPr id="8" name="矩形 7"/>
+          <p:cNvSpPr/>
+          <p:nvPr/>
+        </p:nvSpPr>
+        <p:spPr>
+          <a:xfrm>
+            <a:off x="4775511" y="2175650"/>
+            <a:ext cx="2826327" cy="2059709"/>
+          </a:xfrm>
+          <a:prstGeom prst="rect">
+            <a:avLst/>
+          </a:prstGeom>
+          <a:solidFill>
+            <a:srgbClr val="C3E678"/>
+          </a:solidFill>
+          <a:ln>
+            <a:solidFill>
+              <a:srgbClr val="C3E678"/>
+            </a:solidFill>
+          </a:ln>
+        </p:spPr>
+        <p:style>
+          <a:lnRef idx="2">
+            <a:schemeClr val="accent1">
+              <a:shade val="50000"/>
+            </a:schemeClr>
+          </a:lnRef>
+          <a:fillRef idx="1">
+            <a:schemeClr val="accent1"/>
+          </a:fillRef>
+          <a:effectRef idx="0">
+            <a:schemeClr val="accent1"/>
+          </a:effectRef>
+          <a:fontRef idx="minor">
+            <a:schemeClr val="lt1"/>
+          </a:fontRef>
+        </p:style>
+        <p:txBody>
+          <a:bodyPr rtlCol="0" anchor="ctr"/>
+          <a:lstStyle/>
+          <a:p>
+            <a:pPr algn="ctr"/>
+            <a:endParaRPr lang="zh-TW" altLang="en-US"/>
+          </a:p>
+        </p:txBody>
+      </p:sp>
+      <p:sp>
+        <p:nvSpPr>
+          <p:cNvPr id="9" name="矩形 8"/>
+          <p:cNvSpPr/>
+          <p:nvPr/>
+        </p:nvSpPr>
+        <p:spPr>
+          <a:xfrm>
+            <a:off x="4775512" y="4315175"/>
+            <a:ext cx="2826327" cy="672947"/>
+          </a:xfrm>
+          <a:prstGeom prst="rect">
+            <a:avLst/>
+          </a:prstGeom>
+          <a:noFill/>
+          <a:ln w="38100">
+            <a:solidFill>
+              <a:srgbClr val="C3E678"/>
+            </a:solidFill>
+          </a:ln>
+        </p:spPr>
+        <p:style>
+          <a:lnRef idx="2">
+            <a:schemeClr val="accent1">
+              <a:shade val="50000"/>
+            </a:schemeClr>
+          </a:lnRef>
+          <a:fillRef idx="1">
+            <a:schemeClr val="accent1"/>
+          </a:fillRef>
+          <a:effectRef idx="0">
+            <a:schemeClr val="accent1"/>
+          </a:effectRef>
+          <a:fontRef idx="minor">
+            <a:schemeClr val="lt1"/>
+          </a:fontRef>
+        </p:style>
+        <p:txBody>
+          <a:bodyPr rtlCol="0" anchor="ctr"/>
+          <a:lstStyle/>
+          <a:p>
+            <a:pPr algn="ctr"/>
+            <a:r>
+              <a:rPr lang="zh-TW" altLang="en-US" sz="2800" dirty="0" smtClean="0">
+                <a:solidFill>
+                  <a:schemeClr val="tx1"/>
+                </a:solidFill>
+                <a:latin typeface="微軟正黑體" panose="020B0604030504040204" pitchFamily="34" charset="-120"/>
+                <a:ea typeface="微軟正黑體" panose="020B0604030504040204" pitchFamily="34" charset="-120"/>
+              </a:rPr>
+              <a:t>方正的拼圖</a:t>
+            </a:r>
+            <a:endParaRPr lang="en-US" altLang="zh-TW" sz="2800" dirty="0" smtClean="0">
+              <a:solidFill>
+                <a:schemeClr val="tx1"/>
+              </a:solidFill>
+              <a:latin typeface="微軟正黑體" panose="020B0604030504040204" pitchFamily="34" charset="-120"/>
+              <a:ea typeface="微軟正黑體" panose="020B0604030504040204" pitchFamily="34" charset="-120"/>
+            </a:endParaRPr>
+          </a:p>
+        </p:txBody>
+      </p:sp>
+      <p:sp>
+        <p:nvSpPr>
+          <p:cNvPr id="12" name="矩形 11"/>
+          <p:cNvSpPr/>
+          <p:nvPr/>
+        </p:nvSpPr>
+        <p:spPr>
+          <a:xfrm>
+            <a:off x="7874310" y="2175650"/>
+            <a:ext cx="2826327" cy="2059709"/>
+          </a:xfrm>
+          <a:prstGeom prst="rect">
+            <a:avLst/>
+          </a:prstGeom>
+          <a:solidFill>
+            <a:srgbClr val="00D2FF"/>
+          </a:solidFill>
+          <a:ln>
+            <a:solidFill>
+              <a:srgbClr val="00D2FF"/>
+            </a:solidFill>
+          </a:ln>
+        </p:spPr>
+        <p:style>
+          <a:lnRef idx="2">
+            <a:schemeClr val="accent1">
+              <a:shade val="50000"/>
+            </a:schemeClr>
+          </a:lnRef>
+          <a:fillRef idx="1">
+            <a:schemeClr val="accent1"/>
+          </a:fillRef>
+          <a:effectRef idx="0">
+            <a:schemeClr val="accent1"/>
+          </a:effectRef>
+          <a:fontRef idx="minor">
+            <a:schemeClr val="lt1"/>
+          </a:fontRef>
+        </p:style>
+        <p:txBody>
+          <a:bodyPr rtlCol="0" anchor="ctr"/>
+          <a:lstStyle/>
+          <a:p>
+            <a:pPr algn="ctr"/>
+            <a:endParaRPr lang="zh-TW" altLang="en-US"/>
+          </a:p>
+        </p:txBody>
+      </p:sp>
+      <p:sp>
+        <p:nvSpPr>
+          <p:cNvPr id="13" name="矩形 12"/>
+          <p:cNvSpPr/>
+          <p:nvPr/>
+        </p:nvSpPr>
+        <p:spPr>
+          <a:xfrm>
+            <a:off x="7874310" y="4315175"/>
+            <a:ext cx="2826327" cy="672947"/>
+          </a:xfrm>
+          <a:prstGeom prst="rect">
+            <a:avLst/>
+          </a:prstGeom>
+          <a:noFill/>
+          <a:ln w="38100">
+            <a:solidFill>
+              <a:srgbClr val="00D2FF"/>
+            </a:solidFill>
+          </a:ln>
+        </p:spPr>
+        <p:style>
+          <a:lnRef idx="2">
+            <a:schemeClr val="accent1">
+              <a:shade val="50000"/>
+            </a:schemeClr>
+          </a:lnRef>
+          <a:fillRef idx="1">
+            <a:schemeClr val="accent1"/>
+          </a:fillRef>
+          <a:effectRef idx="0">
+            <a:schemeClr val="accent1"/>
+          </a:effectRef>
+          <a:fontRef idx="minor">
+            <a:schemeClr val="lt1"/>
+          </a:fontRef>
+        </p:style>
+        <p:txBody>
+          <a:bodyPr rtlCol="0" anchor="ctr"/>
+          <a:lstStyle/>
+          <a:p>
+            <a:pPr algn="ctr"/>
+            <a:r>
+              <a:rPr lang="zh-TW" altLang="en-US" sz="2800" dirty="0" smtClean="0">
+                <a:solidFill>
+                  <a:schemeClr val="tx1"/>
+                </a:solidFill>
+                <a:latin typeface="微軟正黑體" panose="020B0604030504040204" pitchFamily="34" charset="-120"/>
+                <a:ea typeface="微軟正黑體" panose="020B0604030504040204" pitchFamily="34" charset="-120"/>
+              </a:rPr>
+              <a:t>排版精美</a:t>
+            </a:r>
+            <a:endParaRPr lang="zh-TW" altLang="en-US" sz="2800" dirty="0">
+              <a:solidFill>
+                <a:schemeClr val="tx1"/>
+              </a:solidFill>
+              <a:latin typeface="微軟正黑體" panose="020B0604030504040204" pitchFamily="34" charset="-120"/>
+              <a:ea typeface="微軟正黑體" panose="020B0604030504040204" pitchFamily="34" charset="-120"/>
+            </a:endParaRPr>
+          </a:p>
+        </p:txBody>
+      </p:sp>
+      <p:pic>
+        <p:nvPicPr>
+          <p:cNvPr id="5" name="圖片 4"/>
+          <p:cNvPicPr>
+            <a:picLocks noChangeAspect="1"/>
+          </p:cNvPicPr>
+          <p:nvPr/>
+        </p:nvPicPr>
+        <p:blipFill>
+          <a:blip r:embed="rId3" cstate="print">
+            <a:extLst>
+              <a:ext uri="{28A0092B-C50C-407E-A947-70E740481C1C}">
+                <a14:useLocalDpi xmlns:a14="http://schemas.microsoft.com/office/drawing/2010/main" val="0"/>
+              </a:ext>
+            </a:extLst>
+          </a:blip>
+          <a:stretch>
+            <a:fillRect/>
+          </a:stretch>
+        </p:blipFill>
+        <p:spPr>
+          <a:xfrm>
+            <a:off x="2234297" y="2556558"/>
+            <a:ext cx="1453110" cy="1453110"/>
+          </a:xfrm>
+          <a:prstGeom prst="rect">
+            <a:avLst/>
+          </a:prstGeom>
+        </p:spPr>
+      </p:pic>
+      <p:pic>
+        <p:nvPicPr>
+          <p:cNvPr id="15" name="圖片 14"/>
+          <p:cNvPicPr>
+            <a:picLocks noChangeAspect="1"/>
+          </p:cNvPicPr>
+          <p:nvPr/>
+        </p:nvPicPr>
+        <p:blipFill>
+          <a:blip r:embed="rId4" cstate="print">
+            <a:extLst>
+              <a:ext uri="{28A0092B-C50C-407E-A947-70E740481C1C}">
+                <a14:useLocalDpi xmlns:a14="http://schemas.microsoft.com/office/drawing/2010/main" val="0"/>
+              </a:ext>
+            </a:extLst>
+          </a:blip>
+          <a:stretch>
+            <a:fillRect/>
+          </a:stretch>
+        </p:blipFill>
+        <p:spPr>
+          <a:xfrm>
+            <a:off x="5587247" y="2681686"/>
+            <a:ext cx="1202853" cy="1202853"/>
+          </a:xfrm>
+          <a:prstGeom prst="rect">
+            <a:avLst/>
+          </a:prstGeom>
+        </p:spPr>
+      </p:pic>
+      <p:sp>
+        <p:nvSpPr>
+          <p:cNvPr id="16" name="文字方塊 15"/>
+          <p:cNvSpPr txBox="1"/>
+          <p:nvPr/>
+        </p:nvSpPr>
+        <p:spPr>
+          <a:xfrm>
+            <a:off x="5598656" y="5067938"/>
+            <a:ext cx="1210588" cy="400110"/>
+          </a:xfrm>
+          <a:prstGeom prst="rect">
+            <a:avLst/>
+          </a:prstGeom>
+          <a:noFill/>
+        </p:spPr>
+        <p:txBody>
+          <a:bodyPr wrap="none" rtlCol="0">
+            <a:spAutoFit/>
+          </a:bodyPr>
+          <a:lstStyle/>
+          <a:p>
+            <a:r>
+              <a:rPr lang="zh-TW" altLang="en-US" sz="2000" dirty="0" smtClean="0">
+                <a:latin typeface="微軟正黑體" panose="020B0604030504040204" pitchFamily="34" charset="-120"/>
+                <a:ea typeface="微軟正黑體" panose="020B0604030504040204" pitchFamily="34" charset="-120"/>
+              </a:rPr>
+              <a:t>難度較高</a:t>
+            </a:r>
+            <a:endParaRPr lang="zh-TW" altLang="en-US" sz="2000" dirty="0">
+              <a:latin typeface="微軟正黑體" panose="020B0604030504040204" pitchFamily="34" charset="-120"/>
+              <a:ea typeface="微軟正黑體" panose="020B0604030504040204" pitchFamily="34" charset="-120"/>
+            </a:endParaRPr>
+          </a:p>
+        </p:txBody>
+      </p:sp>
+      <p:pic>
+        <p:nvPicPr>
+          <p:cNvPr id="17" name="圖片 16"/>
+          <p:cNvPicPr>
+            <a:picLocks noChangeAspect="1"/>
+          </p:cNvPicPr>
+          <p:nvPr/>
+        </p:nvPicPr>
+        <p:blipFill>
+          <a:blip r:embed="rId5" cstate="print">
+            <a:extLst>
+              <a:ext uri="{28A0092B-C50C-407E-A947-70E740481C1C}">
+                <a14:useLocalDpi xmlns:a14="http://schemas.microsoft.com/office/drawing/2010/main" val="0"/>
+              </a:ext>
+            </a:extLst>
+          </a:blip>
+          <a:stretch>
+            <a:fillRect/>
+          </a:stretch>
+        </p:blipFill>
+        <p:spPr>
+          <a:xfrm>
+            <a:off x="8584981" y="2556558"/>
+            <a:ext cx="1404983" cy="1404983"/>
+          </a:xfrm>
+          <a:prstGeom prst="rect">
+            <a:avLst/>
+          </a:prstGeom>
+        </p:spPr>
+      </p:pic>
     </p:spTree>
     <p:extLst>
       <p:ext uri="{BB962C8B-B14F-4D97-AF65-F5344CB8AC3E}">
@@ -4636,7 +5569,7 @@
         </p:nvSpPr>
         <p:spPr>
           <a:xfrm>
-            <a:off x="3292451" y="4929259"/>
+            <a:off x="2560931" y="4920023"/>
             <a:ext cx="1210588" cy="369332"/>
           </a:xfrm>
           <a:prstGeom prst="rect">
@@ -4944,6 +5877,38 @@
           </a:prstGeom>
         </p:spPr>
       </p:pic>
+      <p:sp>
+        <p:nvSpPr>
+          <p:cNvPr id="16" name="文字方塊 15"/>
+          <p:cNvSpPr txBox="1"/>
+          <p:nvPr/>
+        </p:nvSpPr>
+        <p:spPr>
+          <a:xfrm>
+            <a:off x="5583380" y="4920023"/>
+            <a:ext cx="1107996" cy="369332"/>
+          </a:xfrm>
+          <a:prstGeom prst="rect">
+            <a:avLst/>
+          </a:prstGeom>
+          <a:noFill/>
+        </p:spPr>
+        <p:txBody>
+          <a:bodyPr wrap="none" rtlCol="0">
+            <a:spAutoFit/>
+          </a:bodyPr>
+          <a:lstStyle/>
+          <a:p>
+            <a:r>
+              <a:rPr lang="zh-TW" altLang="en-US" dirty="0">
+                <a:latin typeface="微軟正黑體" panose="020B0604030504040204" pitchFamily="34" charset="-120"/>
+                <a:ea typeface="微軟正黑體" panose="020B0604030504040204" pitchFamily="34" charset="-120"/>
+              </a:rPr>
+              <a:t>打亂方向</a:t>
+            </a:r>
+          </a:p>
+        </p:txBody>
+      </p:sp>
     </p:spTree>
     <p:extLst>
       <p:ext uri="{BB962C8B-B14F-4D97-AF65-F5344CB8AC3E}">
@@ -5280,7 +6245,7 @@
         <p:spPr>
           <a:xfrm>
             <a:off x="6398955" y="2598003"/>
-            <a:ext cx="2627642" cy="3046988"/>
+            <a:ext cx="2627642" cy="2677656"/>
           </a:xfrm>
           <a:prstGeom prst="rect">
             <a:avLst/>
@@ -5410,22 +6375,12 @@
               <a:buChar char="•"/>
             </a:pPr>
             <a:r>
-              <a:rPr lang="zh-TW" altLang="en-US" sz="2400" dirty="0">
+              <a:rPr lang="zh-TW" altLang="en-US" sz="2400" dirty="0" smtClean="0">
                 <a:latin typeface="微軟正黑體" panose="020B0604030504040204" pitchFamily="34" charset="-120"/>
                 <a:ea typeface="微軟正黑體" panose="020B0604030504040204" pitchFamily="34" charset="-120"/>
               </a:rPr>
-              <a:t>報告</a:t>
+              <a:t>報告資料</a:t>
             </a:r>
-            <a:endParaRPr lang="zh-TW" altLang="en-US" sz="2400" dirty="0" smtClean="0">
-              <a:latin typeface="微軟正黑體" panose="020B0604030504040204" pitchFamily="34" charset="-120"/>
-              <a:ea typeface="微軟正黑體" panose="020B0604030504040204" pitchFamily="34" charset="-120"/>
-            </a:endParaRPr>
-          </a:p>
-          <a:p>
-            <a:pPr marL="285750" indent="-285750">
-              <a:buFont typeface="Arial" panose="020B0604020202020204" pitchFamily="34" charset="0"/>
-              <a:buChar char="•"/>
-            </a:pPr>
             <a:endParaRPr lang="zh-TW" altLang="en-US" sz="2400" dirty="0">
               <a:latin typeface="微軟正黑體" panose="020B0604030504040204" pitchFamily="34" charset="-120"/>
               <a:ea typeface="微軟正黑體" panose="020B0604030504040204" pitchFamily="34" charset="-120"/>
@@ -5442,7 +6397,7 @@
         <p:spPr>
           <a:xfrm>
             <a:off x="2281383" y="2590059"/>
-            <a:ext cx="2319866" cy="2677656"/>
+            <a:ext cx="2319866" cy="3046988"/>
           </a:xfrm>
           <a:prstGeom prst="rect">
             <a:avLst/>
@@ -5572,16 +6527,25 @@
               <a:t>製作</a:t>
             </a:r>
             <a:r>
-              <a:rPr lang="en-US" altLang="zh-TW" sz="2400" dirty="0">
+              <a:rPr lang="en-US" altLang="zh-TW" sz="2400" dirty="0" smtClean="0">
                 <a:latin typeface="微軟正黑體" panose="020B0604030504040204" pitchFamily="34" charset="-120"/>
                 <a:ea typeface="微軟正黑體" panose="020B0604030504040204" pitchFamily="34" charset="-120"/>
               </a:rPr>
               <a:t>PPT</a:t>
             </a:r>
-            <a:endParaRPr lang="zh-TW" altLang="en-US" sz="2400" dirty="0">
-              <a:latin typeface="微軟正黑體" panose="020B0604030504040204" pitchFamily="34" charset="-120"/>
-              <a:ea typeface="微軟正黑體" panose="020B0604030504040204" pitchFamily="34" charset="-120"/>
-            </a:endParaRPr>
+          </a:p>
+          <a:p>
+            <a:pPr marL="285750" indent="-285750">
+              <a:buFont typeface="Arial" panose="020B0604020202020204" pitchFamily="34" charset="0"/>
+              <a:buChar char="•"/>
+            </a:pPr>
+            <a:r>
+              <a:rPr lang="zh-TW" altLang="en-US" sz="2400" dirty="0" smtClean="0">
+                <a:latin typeface="微軟正黑體" panose="020B0604030504040204" pitchFamily="34" charset="-120"/>
+                <a:ea typeface="微軟正黑體" panose="020B0604030504040204" pitchFamily="34" charset="-120"/>
+              </a:rPr>
+              <a:t>報告</a:t>
+            </a:r>
           </a:p>
         </p:txBody>
       </p:sp>
@@ -7354,6 +8318,63 @@
           </p:txBody>
         </p:sp>
       </p:grpSp>
+      <p:pic>
+        <p:nvPicPr>
+          <p:cNvPr id="6" name="圖片 5">
+            <a:hlinkClick r:id="rId3"/>
+          </p:cNvPr>
+          <p:cNvPicPr>
+            <a:picLocks noChangeAspect="1"/>
+          </p:cNvPicPr>
+          <p:nvPr/>
+        </p:nvPicPr>
+        <p:blipFill rotWithShape="1">
+          <a:blip r:embed="rId4"/>
+          <a:srcRect l="4896" t="10926" r="7293" b="5741"/>
+          <a:stretch/>
+        </p:blipFill>
+        <p:spPr>
+          <a:xfrm>
+            <a:off x="2293819" y="1341741"/>
+            <a:ext cx="7820262" cy="4174517"/>
+          </a:xfrm>
+          <a:prstGeom prst="rect">
+            <a:avLst/>
+          </a:prstGeom>
+        </p:spPr>
+      </p:pic>
+      <p:sp>
+        <p:nvSpPr>
+          <p:cNvPr id="5" name="文字方塊 4"/>
+          <p:cNvSpPr txBox="1"/>
+          <p:nvPr/>
+        </p:nvSpPr>
+        <p:spPr>
+          <a:xfrm>
+            <a:off x="4702770" y="5525109"/>
+            <a:ext cx="3002360" cy="369332"/>
+          </a:xfrm>
+          <a:prstGeom prst="rect">
+            <a:avLst/>
+          </a:prstGeom>
+          <a:noFill/>
+        </p:spPr>
+        <p:txBody>
+          <a:bodyPr wrap="none" rtlCol="0">
+            <a:spAutoFit/>
+          </a:bodyPr>
+          <a:lstStyle/>
+          <a:p>
+            <a:r>
+              <a:rPr lang="en-US" altLang="zh-TW" dirty="0" smtClean="0">
+                <a:hlinkClick r:id="rId3"/>
+              </a:rPr>
+              <a:t>https://youtu.be/bJXq3wiS8XI</a:t>
+            </a:r>
+            <a:endParaRPr lang="en-US" altLang="zh-TW" dirty="0" smtClean="0"/>
+          </a:p>
+        </p:txBody>
+      </p:sp>
     </p:spTree>
     <p:extLst>
       <p:ext uri="{BB962C8B-B14F-4D97-AF65-F5344CB8AC3E}">
@@ -7786,7 +8807,7 @@
           </p:nvSpPr>
           <p:spPr>
             <a:xfrm>
-              <a:off x="4718594" y="4744499"/>
+              <a:off x="4718594" y="4344345"/>
               <a:ext cx="4596130" cy="523220"/>
             </a:xfrm>
             <a:prstGeom prst="rect">
@@ -7848,7 +8869,7 @@
           <p:spPr>
             <a:xfrm>
               <a:off x="4718594" y="3697799"/>
-              <a:ext cx="6122189" cy="954107"/>
+              <a:ext cx="6032421" cy="523220"/>
             </a:xfrm>
             <a:prstGeom prst="rect">
               <a:avLst/>
@@ -7870,41 +8891,7 @@
                   <a:latin typeface="微軟正黑體" panose="020B0604030504040204" pitchFamily="34" charset="-120"/>
                   <a:ea typeface="微軟正黑體" panose="020B0604030504040204" pitchFamily="34" charset="-120"/>
                 </a:rPr>
-                <a:t>方形拼圖 </a:t>
-              </a:r>
-              <a:r>
-                <a:rPr lang="zh-TW" altLang="en-US" sz="2800" dirty="0">
-                  <a:latin typeface="微軟正黑體" panose="020B0604030504040204" pitchFamily="34" charset="-120"/>
-                  <a:ea typeface="微軟正黑體" panose="020B0604030504040204" pitchFamily="34" charset="-120"/>
-                </a:rPr>
-                <a:t>無法</a:t>
-              </a:r>
-              <a:r>
-                <a:rPr lang="zh-TW" altLang="en-US" sz="2800" dirty="0" smtClean="0">
-                  <a:latin typeface="微軟正黑體" panose="020B0604030504040204" pitchFamily="34" charset="-120"/>
-                  <a:ea typeface="微軟正黑體" panose="020B0604030504040204" pitchFamily="34" charset="-120"/>
-                </a:rPr>
-                <a:t>透過拼圖形狀來遊玩</a:t>
-              </a:r>
-              <a:endParaRPr lang="en-US" altLang="zh-TW" sz="2800" dirty="0" smtClean="0">
-                <a:latin typeface="微軟正黑體" panose="020B0604030504040204" pitchFamily="34" charset="-120"/>
-                <a:ea typeface="微軟正黑體" panose="020B0604030504040204" pitchFamily="34" charset="-120"/>
-              </a:endParaRPr>
-            </a:p>
-            <a:p>
-              <a:r>
-                <a:rPr lang="en-US" altLang="zh-TW" sz="2800" dirty="0" smtClean="0">
-                  <a:latin typeface="微軟正黑體" panose="020B0604030504040204" pitchFamily="34" charset="-120"/>
-                  <a:ea typeface="微軟正黑體" panose="020B0604030504040204" pitchFamily="34" charset="-120"/>
-                </a:rPr>
-                <a:t>	</a:t>
-              </a:r>
-              <a:r>
-                <a:rPr lang="zh-TW" altLang="en-US" sz="2800" dirty="0" smtClean="0">
-                  <a:latin typeface="微軟正黑體" panose="020B0604030504040204" pitchFamily="34" charset="-120"/>
-                  <a:ea typeface="微軟正黑體" panose="020B0604030504040204" pitchFamily="34" charset="-120"/>
-                </a:rPr>
-                <a:t>難度較傳統拼圖難一些</a:t>
+                <a:t>不同形狀的拼圖難度較傳統拼圖難</a:t>
               </a:r>
               <a:endParaRPr lang="en-US" altLang="zh-TW" sz="2800" dirty="0" smtClean="0">
                 <a:latin typeface="微軟正黑體" panose="020B0604030504040204" pitchFamily="34" charset="-120"/>
